--- a/Flowcharts/Flowchart_ML.pptx
+++ b/Flowcharts/Flowchart_ML.pptx
@@ -120,7 +120,7 @@
 <file path=ppt/revisionInfo.xml><?xml version="1.0" encoding="utf-8"?>
 <p1510:revInfo xmlns:a="http://schemas.openxmlformats.org/drawingml/2006/main" xmlns:r="http://schemas.openxmlformats.org/officeDocument/2006/relationships" xmlns:p1510="http://schemas.microsoft.com/office/powerpoint/2015/10/main">
   <p1510:revLst>
-    <p1510:client id="{153BC2FA-67B9-42E2-ABF8-4462971628E8}" v="13" dt="2023-10-02T06:26:51.149"/>
+    <p1510:client id="{A00DD2B7-4FA4-4A20-A87C-710D8417D36E}" v="3" dt="2024-03-27T21:17:28.717"/>
   </p1510:revLst>
 </p1510:revInfo>
 </file>
@@ -281,6 +281,30 @@
       </pc:sldChg>
     </pc:docChg>
   </pc:docChgLst>
+  <pc:docChgLst>
+    <pc:chgData name="Mujjabi, Christopher" userId="36f45741-75b2-4784-ab4f-89d61593cd31" providerId="ADAL" clId="{A00DD2B7-4FA4-4A20-A87C-710D8417D36E}"/>
+    <pc:docChg chg="modSld">
+      <pc:chgData name="Mujjabi, Christopher" userId="36f45741-75b2-4784-ab4f-89d61593cd31" providerId="ADAL" clId="{A00DD2B7-4FA4-4A20-A87C-710D8417D36E}" dt="2024-03-27T21:17:28.717" v="0" actId="1076"/>
+      <pc:docMkLst>
+        <pc:docMk/>
+      </pc:docMkLst>
+      <pc:sldChg chg="modSp">
+        <pc:chgData name="Mujjabi, Christopher" userId="36f45741-75b2-4784-ab4f-89d61593cd31" providerId="ADAL" clId="{A00DD2B7-4FA4-4A20-A87C-710D8417D36E}" dt="2024-03-27T21:17:28.717" v="0" actId="1076"/>
+        <pc:sldMkLst>
+          <pc:docMk/>
+          <pc:sldMk cId="1058000361" sldId="257"/>
+        </pc:sldMkLst>
+        <pc:picChg chg="mod">
+          <ac:chgData name="Mujjabi, Christopher" userId="36f45741-75b2-4784-ab4f-89d61593cd31" providerId="ADAL" clId="{A00DD2B7-4FA4-4A20-A87C-710D8417D36E}" dt="2024-03-27T21:17:28.717" v="0" actId="1076"/>
+          <ac:picMkLst>
+            <pc:docMk/>
+            <pc:sldMk cId="1058000361" sldId="257"/>
+            <ac:picMk id="3074" creationId="{B46F630F-6A7E-1F01-BABD-1BA0A035ECEE}"/>
+          </ac:picMkLst>
+        </pc:picChg>
+      </pc:sldChg>
+    </pc:docChg>
+  </pc:docChgLst>
 </pc:chgInfo>
 </file>
 
@@ -431,7 +455,7 @@
           <a:p>
             <a:fld id="{568D5EB7-86E1-439F-B526-DB18136082B1}" type="datetimeFigureOut">
               <a:rPr lang="en-US" smtClean="0"/>
-              <a:t>10/2/2023</a:t>
+              <a:t>3/27/2024</a:t>
             </a:fld>
             <a:endParaRPr lang="en-US"/>
           </a:p>
@@ -629,7 +653,7 @@
           <a:p>
             <a:fld id="{568D5EB7-86E1-439F-B526-DB18136082B1}" type="datetimeFigureOut">
               <a:rPr lang="en-US" smtClean="0"/>
-              <a:t>10/2/2023</a:t>
+              <a:t>3/27/2024</a:t>
             </a:fld>
             <a:endParaRPr lang="en-US"/>
           </a:p>
@@ -837,7 +861,7 @@
           <a:p>
             <a:fld id="{568D5EB7-86E1-439F-B526-DB18136082B1}" type="datetimeFigureOut">
               <a:rPr lang="en-US" smtClean="0"/>
-              <a:t>10/2/2023</a:t>
+              <a:t>3/27/2024</a:t>
             </a:fld>
             <a:endParaRPr lang="en-US"/>
           </a:p>
@@ -1035,7 +1059,7 @@
           <a:p>
             <a:fld id="{568D5EB7-86E1-439F-B526-DB18136082B1}" type="datetimeFigureOut">
               <a:rPr lang="en-US" smtClean="0"/>
-              <a:t>10/2/2023</a:t>
+              <a:t>3/27/2024</a:t>
             </a:fld>
             <a:endParaRPr lang="en-US"/>
           </a:p>
@@ -1310,7 +1334,7 @@
           <a:p>
             <a:fld id="{568D5EB7-86E1-439F-B526-DB18136082B1}" type="datetimeFigureOut">
               <a:rPr lang="en-US" smtClean="0"/>
-              <a:t>10/2/2023</a:t>
+              <a:t>3/27/2024</a:t>
             </a:fld>
             <a:endParaRPr lang="en-US"/>
           </a:p>
@@ -1575,7 +1599,7 @@
           <a:p>
             <a:fld id="{568D5EB7-86E1-439F-B526-DB18136082B1}" type="datetimeFigureOut">
               <a:rPr lang="en-US" smtClean="0"/>
-              <a:t>10/2/2023</a:t>
+              <a:t>3/27/2024</a:t>
             </a:fld>
             <a:endParaRPr lang="en-US"/>
           </a:p>
@@ -1987,7 +2011,7 @@
           <a:p>
             <a:fld id="{568D5EB7-86E1-439F-B526-DB18136082B1}" type="datetimeFigureOut">
               <a:rPr lang="en-US" smtClean="0"/>
-              <a:t>10/2/2023</a:t>
+              <a:t>3/27/2024</a:t>
             </a:fld>
             <a:endParaRPr lang="en-US"/>
           </a:p>
@@ -2128,7 +2152,7 @@
           <a:p>
             <a:fld id="{568D5EB7-86E1-439F-B526-DB18136082B1}" type="datetimeFigureOut">
               <a:rPr lang="en-US" smtClean="0"/>
-              <a:t>10/2/2023</a:t>
+              <a:t>3/27/2024</a:t>
             </a:fld>
             <a:endParaRPr lang="en-US"/>
           </a:p>
@@ -2241,7 +2265,7 @@
           <a:p>
             <a:fld id="{568D5EB7-86E1-439F-B526-DB18136082B1}" type="datetimeFigureOut">
               <a:rPr lang="en-US" smtClean="0"/>
-              <a:t>10/2/2023</a:t>
+              <a:t>3/27/2024</a:t>
             </a:fld>
             <a:endParaRPr lang="en-US"/>
           </a:p>
@@ -2552,7 +2576,7 @@
           <a:p>
             <a:fld id="{568D5EB7-86E1-439F-B526-DB18136082B1}" type="datetimeFigureOut">
               <a:rPr lang="en-US" smtClean="0"/>
-              <a:t>10/2/2023</a:t>
+              <a:t>3/27/2024</a:t>
             </a:fld>
             <a:endParaRPr lang="en-US"/>
           </a:p>
@@ -2840,7 +2864,7 @@
           <a:p>
             <a:fld id="{568D5EB7-86E1-439F-B526-DB18136082B1}" type="datetimeFigureOut">
               <a:rPr lang="en-US" smtClean="0"/>
-              <a:t>10/2/2023</a:t>
+              <a:t>3/27/2024</a:t>
             </a:fld>
             <a:endParaRPr lang="en-US"/>
           </a:p>
@@ -3081,7 +3105,7 @@
           <a:p>
             <a:fld id="{568D5EB7-86E1-439F-B526-DB18136082B1}" type="datetimeFigureOut">
               <a:rPr lang="en-US" smtClean="0"/>
-              <a:t>10/2/2023</a:t>
+              <a:t>3/27/2024</a:t>
             </a:fld>
             <a:endParaRPr lang="en-US"/>
           </a:p>
@@ -3747,7 +3771,7 @@
         </p:blipFill>
         <p:spPr bwMode="auto">
           <a:xfrm>
-            <a:off x="1360389" y="515815"/>
+            <a:off x="1109135" y="454031"/>
             <a:ext cx="8990062" cy="5743063"/>
           </a:xfrm>
           <a:prstGeom prst="rect">
@@ -6312,6 +6336,15 @@
 </file>
 
 <file path=customXml/item1.xml><?xml version="1.0" encoding="utf-8"?>
+<?mso-contentType ?>
+<FormTemplates xmlns="http://schemas.microsoft.com/sharepoint/v3/contenttype/forms">
+  <Display>DocumentLibraryForm</Display>
+  <Edit>DocumentLibraryForm</Edit>
+  <New>DocumentLibraryForm</New>
+</FormTemplates>
+</file>
+
+<file path=customXml/item2.xml><?xml version="1.0" encoding="utf-8"?>
 <p:properties xmlns:p="http://schemas.microsoft.com/office/2006/metadata/properties" xmlns:xsi="http://www.w3.org/2001/XMLSchema-instance" xmlns:pc="http://schemas.microsoft.com/office/infopath/2007/PartnerControls">
   <documentManagement>
     <TaxCatchAll xmlns="1c3033c6-850d-4082-a86a-0d1cef7ddc1b" xsi:nil="true"/>
@@ -6322,18 +6355,9 @@
 </p:properties>
 </file>
 
-<file path=customXml/item2.xml><?xml version="1.0" encoding="utf-8"?>
-<?mso-contentType ?>
-<FormTemplates xmlns="http://schemas.microsoft.com/sharepoint/v3/contenttype/forms">
-  <Display>DocumentLibraryForm</Display>
-  <Edit>DocumentLibraryForm</Edit>
-  <New>DocumentLibraryForm</New>
-</FormTemplates>
-</file>
-
 <file path=customXml/item3.xml><?xml version="1.0" encoding="utf-8"?>
-<ct:contentTypeSchema xmlns:ct="http://schemas.microsoft.com/office/2006/metadata/contentType" xmlns:ma="http://schemas.microsoft.com/office/2006/metadata/properties/metaAttributes" ct:_="" ma:_="" ma:contentTypeName="Document" ma:contentTypeID="0x010100B30089CC027E794F972C72379E483499" ma:contentTypeVersion="15" ma:contentTypeDescription="Create a new document." ma:contentTypeScope="" ma:versionID="fb2c3e949058d2b0808cd053c4bf4307">
-  <xsd:schema xmlns:xsd="http://www.w3.org/2001/XMLSchema" xmlns:xs="http://www.w3.org/2001/XMLSchema" xmlns:p="http://schemas.microsoft.com/office/2006/metadata/properties" xmlns:ns2="f7861a92-94f5-49ee-9de7-97ce60660b0d" xmlns:ns3="1c3033c6-850d-4082-a86a-0d1cef7ddc1b" targetNamespace="http://schemas.microsoft.com/office/2006/metadata/properties" ma:root="true" ma:fieldsID="61e701cf719dfe069491a84306416bba" ns2:_="" ns3:_="">
+<ct:contentTypeSchema xmlns:ct="http://schemas.microsoft.com/office/2006/metadata/contentType" xmlns:ma="http://schemas.microsoft.com/office/2006/metadata/properties/metaAttributes" ct:_="" ma:_="" ma:contentTypeName="Document" ma:contentTypeID="0x010100B30089CC027E794F972C72379E483499" ma:contentTypeVersion="16" ma:contentTypeDescription="Create a new document." ma:contentTypeScope="" ma:versionID="ed5cbf7c1ff1b7962a3ed16ca291e244">
+  <xsd:schema xmlns:xsd="http://www.w3.org/2001/XMLSchema" xmlns:xs="http://www.w3.org/2001/XMLSchema" xmlns:p="http://schemas.microsoft.com/office/2006/metadata/properties" xmlns:ns2="f7861a92-94f5-49ee-9de7-97ce60660b0d" xmlns:ns3="1c3033c6-850d-4082-a86a-0d1cef7ddc1b" targetNamespace="http://schemas.microsoft.com/office/2006/metadata/properties" ma:root="true" ma:fieldsID="23fc3f81d56f980a8d7fb20c7d826214" ns2:_="" ns3:_="">
     <xsd:import namespace="f7861a92-94f5-49ee-9de7-97ce60660b0d"/>
     <xsd:import namespace="1c3033c6-850d-4082-a86a-0d1cef7ddc1b"/>
     <xsd:element name="properties">
@@ -6356,6 +6380,7 @@
                 <xsd:element ref="ns2:MediaServiceGenerationTime" minOccurs="0"/>
                 <xsd:element ref="ns2:MediaServiceEventHashCode" minOccurs="0"/>
                 <xsd:element ref="ns2:MediaServiceObjectDetectorVersions" minOccurs="0"/>
+                <xsd:element ref="ns2:MediaServiceSearchProperties" minOccurs="0"/>
               </xsd:all>
             </xsd:complexType>
           </xsd:element>
@@ -6425,6 +6450,11 @@
     <xsd:element name="MediaServiceObjectDetectorVersions" ma:index="22" nillable="true" ma:displayName="MediaServiceObjectDetectorVersions" ma:hidden="true" ma:indexed="true" ma:internalName="MediaServiceObjectDetectorVersions" ma:readOnly="true">
       <xsd:simpleType>
         <xsd:restriction base="dms:Text"/>
+      </xsd:simpleType>
+    </xsd:element>
+    <xsd:element name="MediaServiceSearchProperties" ma:index="23" nillable="true" ma:displayName="MediaServiceSearchProperties" ma:hidden="true" ma:internalName="MediaServiceSearchProperties" ma:readOnly="true">
+      <xsd:simpleType>
+        <xsd:restriction base="dms:Note"/>
       </xsd:simpleType>
     </xsd:element>
   </xsd:schema>
@@ -6569,6 +6599,14 @@
 </file>
 
 <file path=customXml/itemProps1.xml><?xml version="1.0" encoding="utf-8"?>
+<ds:datastoreItem xmlns:ds="http://schemas.openxmlformats.org/officeDocument/2006/customXml" ds:itemID="{38640E2C-A803-4A0B-8798-AB816F1E9A4D}">
+  <ds:schemaRefs>
+    <ds:schemaRef ds:uri="http://schemas.microsoft.com/sharepoint/v3/contenttype/forms"/>
+  </ds:schemaRefs>
+</ds:datastoreItem>
+</file>
+
+<file path=customXml/itemProps2.xml><?xml version="1.0" encoding="utf-8"?>
 <ds:datastoreItem xmlns:ds="http://schemas.openxmlformats.org/officeDocument/2006/customXml" ds:itemID="{D8D551C2-D7CF-4DD4-8F31-681E7CBCBC6B}">
   <ds:schemaRefs>
     <ds:schemaRef ds:uri="http://schemas.microsoft.com/office/2006/metadata/properties"/>
@@ -6579,16 +6617,8 @@
 </ds:datastoreItem>
 </file>
 
-<file path=customXml/itemProps2.xml><?xml version="1.0" encoding="utf-8"?>
-<ds:datastoreItem xmlns:ds="http://schemas.openxmlformats.org/officeDocument/2006/customXml" ds:itemID="{38640E2C-A803-4A0B-8798-AB816F1E9A4D}">
-  <ds:schemaRefs>
-    <ds:schemaRef ds:uri="http://schemas.microsoft.com/sharepoint/v3/contenttype/forms"/>
-  </ds:schemaRefs>
-</ds:datastoreItem>
-</file>
-
 <file path=customXml/itemProps3.xml><?xml version="1.0" encoding="utf-8"?>
-<ds:datastoreItem xmlns:ds="http://schemas.openxmlformats.org/officeDocument/2006/customXml" ds:itemID="{29B4A537-04B5-4298-B4E0-253DAAEF4A02}">
+<ds:datastoreItem xmlns:ds="http://schemas.openxmlformats.org/officeDocument/2006/customXml" ds:itemID="{02B0D1E4-39A5-4CBB-8823-2EF7290C6504}">
   <ds:schemaRefs>
     <ds:schemaRef ds:uri="http://schemas.microsoft.com/office/2006/metadata/contentType"/>
     <ds:schemaRef ds:uri="http://schemas.microsoft.com/office/2006/metadata/properties/metaAttributes"/>
